--- a/src/main/webapp/WEB-INF/Files/2023-05/01/title2023-05-01.pptx
+++ b/src/main/webapp/WEB-INF/Files/2023-05/01/title2023-05-01.pptx
@@ -4602,7 +4602,7 @@
                 </a:solidFill>
                 <a:latin typeface="맑은 고딕"/>
               </a:rPr>
-              <a:t>5월 2주차</a:t>
+              <a:t>5월 1주차</a:t>
             </a:r>
             <a:endParaRPr altLang="en-US" kumimoji="1" lang="ko-KR" sz="2349">
               <a:solidFill>
